--- a/ApresentaçãoWork2home.pptx
+++ b/ApresentaçãoWork2home.pptx
@@ -11,6 +11,8 @@
     <p:sldId id="258" r:id="rId5"/>
     <p:sldId id="260" r:id="rId6"/>
     <p:sldId id="261" r:id="rId7"/>
+    <p:sldId id="262" r:id="rId8"/>
+    <p:sldId id="263" r:id="rId9"/>
   </p:sldIdLst>
   <p:sldSz cx="12192000" cy="6858000"/>
   <p:notesSz cx="6858000" cy="9144000"/>
@@ -109,6 +111,11 @@
       </a:defRPr>
     </a:lvl9pPr>
   </p:defaultTextStyle>
+  <p:extLst>
+    <p:ext uri="{EFAFB233-063F-42B5-8137-9DF3F51BA10A}">
+      <p15:sldGuideLst xmlns:p15="http://schemas.microsoft.com/office/powerpoint/2012/main"/>
+    </p:ext>
+  </p:extLst>
 </p:presentation>
 </file>
 
@@ -259,7 +266,7 @@
           <a:p>
             <a:fld id="{274B220E-58D3-4B0A-955E-323B495D3838}" type="datetimeFigureOut">
               <a:rPr lang="pt-BR" smtClean="0"/>
-              <a:t>11/05/2022</a:t>
+              <a:t>12/05/2022</a:t>
             </a:fld>
             <a:endParaRPr lang="pt-BR"/>
           </a:p>
@@ -457,7 +464,7 @@
           <a:p>
             <a:fld id="{274B220E-58D3-4B0A-955E-323B495D3838}" type="datetimeFigureOut">
               <a:rPr lang="pt-BR" smtClean="0"/>
-              <a:t>11/05/2022</a:t>
+              <a:t>12/05/2022</a:t>
             </a:fld>
             <a:endParaRPr lang="pt-BR"/>
           </a:p>
@@ -665,7 +672,7 @@
           <a:p>
             <a:fld id="{274B220E-58D3-4B0A-955E-323B495D3838}" type="datetimeFigureOut">
               <a:rPr lang="pt-BR" smtClean="0"/>
-              <a:t>11/05/2022</a:t>
+              <a:t>12/05/2022</a:t>
             </a:fld>
             <a:endParaRPr lang="pt-BR"/>
           </a:p>
@@ -863,7 +870,7 @@
           <a:p>
             <a:fld id="{274B220E-58D3-4B0A-955E-323B495D3838}" type="datetimeFigureOut">
               <a:rPr lang="pt-BR" smtClean="0"/>
-              <a:t>11/05/2022</a:t>
+              <a:t>12/05/2022</a:t>
             </a:fld>
             <a:endParaRPr lang="pt-BR"/>
           </a:p>
@@ -1138,7 +1145,7 @@
           <a:p>
             <a:fld id="{274B220E-58D3-4B0A-955E-323B495D3838}" type="datetimeFigureOut">
               <a:rPr lang="pt-BR" smtClean="0"/>
-              <a:t>11/05/2022</a:t>
+              <a:t>12/05/2022</a:t>
             </a:fld>
             <a:endParaRPr lang="pt-BR"/>
           </a:p>
@@ -1403,7 +1410,7 @@
           <a:p>
             <a:fld id="{274B220E-58D3-4B0A-955E-323B495D3838}" type="datetimeFigureOut">
               <a:rPr lang="pt-BR" smtClean="0"/>
-              <a:t>11/05/2022</a:t>
+              <a:t>12/05/2022</a:t>
             </a:fld>
             <a:endParaRPr lang="pt-BR"/>
           </a:p>
@@ -1815,7 +1822,7 @@
           <a:p>
             <a:fld id="{274B220E-58D3-4B0A-955E-323B495D3838}" type="datetimeFigureOut">
               <a:rPr lang="pt-BR" smtClean="0"/>
-              <a:t>11/05/2022</a:t>
+              <a:t>12/05/2022</a:t>
             </a:fld>
             <a:endParaRPr lang="pt-BR"/>
           </a:p>
@@ -1956,7 +1963,7 @@
           <a:p>
             <a:fld id="{274B220E-58D3-4B0A-955E-323B495D3838}" type="datetimeFigureOut">
               <a:rPr lang="pt-BR" smtClean="0"/>
-              <a:t>11/05/2022</a:t>
+              <a:t>12/05/2022</a:t>
             </a:fld>
             <a:endParaRPr lang="pt-BR"/>
           </a:p>
@@ -2069,7 +2076,7 @@
           <a:p>
             <a:fld id="{274B220E-58D3-4B0A-955E-323B495D3838}" type="datetimeFigureOut">
               <a:rPr lang="pt-BR" smtClean="0"/>
-              <a:t>11/05/2022</a:t>
+              <a:t>12/05/2022</a:t>
             </a:fld>
             <a:endParaRPr lang="pt-BR"/>
           </a:p>
@@ -2380,7 +2387,7 @@
           <a:p>
             <a:fld id="{274B220E-58D3-4B0A-955E-323B495D3838}" type="datetimeFigureOut">
               <a:rPr lang="pt-BR" smtClean="0"/>
-              <a:t>11/05/2022</a:t>
+              <a:t>12/05/2022</a:t>
             </a:fld>
             <a:endParaRPr lang="pt-BR"/>
           </a:p>
@@ -2668,7 +2675,7 @@
           <a:p>
             <a:fld id="{274B220E-58D3-4B0A-955E-323B495D3838}" type="datetimeFigureOut">
               <a:rPr lang="pt-BR" smtClean="0"/>
-              <a:t>11/05/2022</a:t>
+              <a:t>12/05/2022</a:t>
             </a:fld>
             <a:endParaRPr lang="pt-BR"/>
           </a:p>
@@ -2912,7 +2919,7 @@
           <a:p>
             <a:fld id="{274B220E-58D3-4B0A-955E-323B495D3838}" type="datetimeFigureOut">
               <a:rPr lang="pt-BR" smtClean="0"/>
-              <a:t>11/05/2022</a:t>
+              <a:t>12/05/2022</a:t>
             </a:fld>
             <a:endParaRPr lang="pt-BR"/>
           </a:p>
@@ -3449,13 +3456,13 @@
   <p:clrMapOvr>
     <a:masterClrMapping/>
   </p:clrMapOvr>
-  <mc:AlternateContent xmlns:mc="http://schemas.openxmlformats.org/markup-compatibility/2006">
-    <mc:Choice xmlns:p15="http://schemas.microsoft.com/office/powerpoint/2012/main" Requires="p15">
+  <mc:AlternateContent xmlns:mc="http://schemas.openxmlformats.org/markup-compatibility/2006" xmlns:p15="http://schemas.microsoft.com/office/powerpoint/2012/main">
+    <mc:Choice Requires="p15">
       <p:transition xmlns:p14="http://schemas.microsoft.com/office/powerpoint/2010/main" spd="slow" p14:dur="3250">
         <p15:prstTrans prst="origami"/>
       </p:transition>
     </mc:Choice>
-    <mc:Fallback>
+    <mc:Fallback xmlns="">
       <p:transition spd="slow">
         <p:fade/>
       </p:transition>
@@ -3513,7 +3520,7 @@
               <a:buNone/>
             </a:pPr>
             <a:r>
-              <a:rPr lang="pt-BR" sz="3600" dirty="0">
+              <a:rPr lang="pt-BR" sz="3300" dirty="0">
                 <a:solidFill>
                   <a:srgbClr val="926D0F"/>
                 </a:solidFill>
@@ -3538,7 +3545,7 @@
           <a:p>
             <a:pPr lvl="1" algn="just"/>
             <a:r>
-              <a:rPr lang="pt-BR" sz="3200" dirty="0">
+              <a:rPr lang="pt-BR" sz="2800" dirty="0">
                 <a:solidFill>
                   <a:srgbClr val="926D0F"/>
                 </a:solidFill>
@@ -3553,7 +3560,7 @@
             <a:pPr marL="457200" lvl="1" indent="0" algn="just">
               <a:buNone/>
             </a:pPr>
-            <a:endParaRPr lang="pt-BR" sz="3200" dirty="0">
+            <a:endParaRPr lang="pt-BR" sz="2800" dirty="0">
               <a:solidFill>
                 <a:srgbClr val="926D0F"/>
               </a:solidFill>
@@ -3565,7 +3572,7 @@
           <a:p>
             <a:pPr lvl="1" algn="just"/>
             <a:r>
-              <a:rPr lang="pt-BR" sz="3200" dirty="0">
+              <a:rPr lang="pt-BR" sz="2800" dirty="0">
                 <a:solidFill>
                   <a:srgbClr val="926D0F"/>
                 </a:solidFill>
@@ -3589,6 +3596,45 @@
           </a:p>
         </p:txBody>
       </p:sp>
+      <p:pic>
+        <p:nvPicPr>
+          <p:cNvPr id="4" name="Gráfico 3">
+            <a:extLst>
+              <a:ext uri="{FF2B5EF4-FFF2-40B4-BE49-F238E27FC236}">
+                <a16:creationId xmlns:a16="http://schemas.microsoft.com/office/drawing/2014/main" id="{A20FCA97-AD7C-EBCE-08BD-EA797BB8059D}"/>
+              </a:ext>
+            </a:extLst>
+          </p:cNvPr>
+          <p:cNvPicPr>
+            <a:picLocks noChangeAspect="1"/>
+          </p:cNvPicPr>
+          <p:nvPr/>
+        </p:nvPicPr>
+        <p:blipFill>
+          <a:blip r:embed="rId2">
+            <a:extLst>
+              <a:ext uri="{28A0092B-C50C-407E-A947-70E740481C1C}">
+                <a14:useLocalDpi xmlns:a14="http://schemas.microsoft.com/office/drawing/2010/main" val="0"/>
+              </a:ext>
+              <a:ext uri="{96DAC541-7B7A-43D3-8B79-37D633B846F1}">
+                <asvg:svgBlip xmlns:asvg="http://schemas.microsoft.com/office/drawing/2016/SVG/main" r:embed="rId3"/>
+              </a:ext>
+            </a:extLst>
+          </a:blip>
+          <a:stretch>
+            <a:fillRect/>
+          </a:stretch>
+        </p:blipFill>
+        <p:spPr>
+          <a:xfrm>
+            <a:off x="10627495" y="5415262"/>
+            <a:ext cx="1452609" cy="1291817"/>
+          </a:xfrm>
+          <a:prstGeom prst="rect">
+            <a:avLst/>
+          </a:prstGeom>
+        </p:spPr>
+      </p:pic>
     </p:spTree>
     <p:extLst>
       <p:ext uri="{BB962C8B-B14F-4D97-AF65-F5344CB8AC3E}">
@@ -3599,13 +3645,13 @@
   <p:clrMapOvr>
     <a:masterClrMapping/>
   </p:clrMapOvr>
-  <mc:AlternateContent xmlns:mc="http://schemas.openxmlformats.org/markup-compatibility/2006">
-    <mc:Choice xmlns:p14="http://schemas.microsoft.com/office/powerpoint/2010/main" Requires="p14">
+  <mc:AlternateContent xmlns:mc="http://schemas.openxmlformats.org/markup-compatibility/2006" xmlns:p14="http://schemas.microsoft.com/office/powerpoint/2010/main">
+    <mc:Choice Requires="p14">
       <p:transition spd="slow" p14:dur="1500">
         <p14:window dir="vert"/>
       </p:transition>
     </mc:Choice>
-    <mc:Fallback>
+    <mc:Fallback xmlns="">
       <p:transition spd="slow">
         <p:fade/>
       </p:transition>
@@ -3679,13 +3725,13 @@
   <p:clrMapOvr>
     <a:masterClrMapping/>
   </p:clrMapOvr>
-  <mc:AlternateContent xmlns:mc="http://schemas.openxmlformats.org/markup-compatibility/2006">
-    <mc:Choice xmlns:p14="http://schemas.microsoft.com/office/powerpoint/2010/main" Requires="p14">
+  <mc:AlternateContent xmlns:mc="http://schemas.openxmlformats.org/markup-compatibility/2006" xmlns:p14="http://schemas.microsoft.com/office/powerpoint/2010/main">
+    <mc:Choice Requires="p14">
       <p:transition spd="slow" p14:dur="1500">
         <p:split orient="vert"/>
       </p:transition>
     </mc:Choice>
-    <mc:Fallback>
+    <mc:Fallback xmlns="">
       <p:transition spd="slow">
         <p:split orient="vert"/>
       </p:transition>
@@ -3735,7 +3781,7 @@
         </p:spPr>
         <p:txBody>
           <a:bodyPr>
-            <a:normAutofit fontScale="92500" lnSpcReduction="10000"/>
+            <a:normAutofit/>
           </a:bodyPr>
           <a:lstStyle/>
           <a:p>
@@ -3850,7 +3896,7 @@
               </a:tabLst>
             </a:pPr>
             <a:r>
-              <a:rPr lang="pt-BR" sz="3600" dirty="0">
+              <a:rPr lang="pt-BR" sz="2800" dirty="0">
                 <a:solidFill>
                   <a:srgbClr val="926D0F"/>
                 </a:solidFill>
@@ -3876,7 +3922,7 @@
               </a:tabLst>
             </a:pPr>
             <a:r>
-              <a:rPr lang="pt-BR" sz="3600" dirty="0">
+              <a:rPr lang="pt-BR" sz="2800" dirty="0">
                 <a:solidFill>
                   <a:srgbClr val="926D0F"/>
                 </a:solidFill>
@@ -3908,6 +3954,45 @@
           </a:p>
         </p:txBody>
       </p:sp>
+      <p:pic>
+        <p:nvPicPr>
+          <p:cNvPr id="5" name="Gráfico 4">
+            <a:extLst>
+              <a:ext uri="{FF2B5EF4-FFF2-40B4-BE49-F238E27FC236}">
+                <a16:creationId xmlns:a16="http://schemas.microsoft.com/office/drawing/2014/main" id="{0A1B8E19-28B3-4116-E2BC-86DD83561E5E}"/>
+              </a:ext>
+            </a:extLst>
+          </p:cNvPr>
+          <p:cNvPicPr>
+            <a:picLocks noChangeAspect="1"/>
+          </p:cNvPicPr>
+          <p:nvPr/>
+        </p:nvPicPr>
+        <p:blipFill>
+          <a:blip r:embed="rId2">
+            <a:extLst>
+              <a:ext uri="{28A0092B-C50C-407E-A947-70E740481C1C}">
+                <a14:useLocalDpi xmlns:a14="http://schemas.microsoft.com/office/drawing/2010/main" val="0"/>
+              </a:ext>
+              <a:ext uri="{96DAC541-7B7A-43D3-8B79-37D633B846F1}">
+                <asvg:svgBlip xmlns:asvg="http://schemas.microsoft.com/office/drawing/2016/SVG/main" r:embed="rId3"/>
+              </a:ext>
+            </a:extLst>
+          </a:blip>
+          <a:stretch>
+            <a:fillRect/>
+          </a:stretch>
+        </p:blipFill>
+        <p:spPr>
+          <a:xfrm>
+            <a:off x="10627495" y="5415262"/>
+            <a:ext cx="1452609" cy="1291817"/>
+          </a:xfrm>
+          <a:prstGeom prst="rect">
+            <a:avLst/>
+          </a:prstGeom>
+        </p:spPr>
+      </p:pic>
     </p:spTree>
     <p:extLst>
       <p:ext uri="{BB962C8B-B14F-4D97-AF65-F5344CB8AC3E}">
@@ -3961,30 +4046,294 @@
           </a:xfrm>
         </p:spPr>
         <p:txBody>
-          <a:bodyPr/>
-          <a:lstStyle/>
-          <a:p>
+          <a:bodyPr>
+            <a:normAutofit fontScale="25000" lnSpcReduction="20000"/>
+          </a:bodyPr>
+          <a:lstStyle/>
+          <a:p>
+            <a:pPr marL="342900" indent="-342900">
+              <a:lnSpc>
+                <a:spcPct val="127000"/>
+              </a:lnSpc>
+              <a:spcAft>
+                <a:spcPts val="800"/>
+              </a:spcAft>
+              <a:tabLst>
+                <a:tab pos="457200" algn="l"/>
+              </a:tabLst>
+            </a:pPr>
+            <a:r>
+              <a:rPr lang="pt-BR" sz="14400" dirty="0">
+                <a:solidFill>
+                  <a:srgbClr val="926D0F"/>
+                </a:solidFill>
+                <a:latin typeface="+mj-lt"/>
+                <a:ea typeface="+mj-ea"/>
+                <a:cs typeface="+mj-cs"/>
+              </a:rPr>
+              <a:t>Validações</a:t>
+            </a:r>
+          </a:p>
+          <a:p>
+            <a:pPr marL="742950" lvl="1" indent="-285750">
+              <a:lnSpc>
+                <a:spcPct val="97000"/>
+              </a:lnSpc>
+              <a:spcAft>
+                <a:spcPts val="800"/>
+              </a:spcAft>
+              <a:tabLst>
+                <a:tab pos="914400" algn="l"/>
+              </a:tabLst>
+            </a:pPr>
+            <a:r>
+              <a:rPr lang="pt-BR" sz="11200" dirty="0" err="1">
+                <a:solidFill>
+                  <a:srgbClr val="926D0F"/>
+                </a:solidFill>
+                <a:latin typeface="+mj-lt"/>
+                <a:ea typeface="+mj-ea"/>
+                <a:cs typeface="+mj-cs"/>
+              </a:rPr>
+              <a:t>Api</a:t>
+            </a:r>
+            <a:r>
+              <a:rPr lang="pt-BR" sz="11200" dirty="0">
+                <a:solidFill>
+                  <a:srgbClr val="926D0F"/>
+                </a:solidFill>
+                <a:latin typeface="+mj-lt"/>
+                <a:ea typeface="+mj-ea"/>
+                <a:cs typeface="+mj-cs"/>
+              </a:rPr>
+              <a:t> de Erro;</a:t>
+            </a:r>
+          </a:p>
+          <a:p>
+            <a:pPr marL="742950" lvl="1" indent="-285750">
+              <a:lnSpc>
+                <a:spcPct val="97000"/>
+              </a:lnSpc>
+              <a:spcAft>
+                <a:spcPts val="800"/>
+              </a:spcAft>
+              <a:tabLst>
+                <a:tab pos="914400" algn="l"/>
+              </a:tabLst>
+            </a:pPr>
+            <a:r>
+              <a:rPr lang="pt-BR" sz="11200" dirty="0">
+                <a:solidFill>
+                  <a:srgbClr val="926D0F"/>
+                </a:solidFill>
+                <a:latin typeface="+mj-lt"/>
+                <a:ea typeface="+mj-ea"/>
+                <a:cs typeface="+mj-cs"/>
+              </a:rPr>
+              <a:t>Anotações Personalizada;</a:t>
+            </a:r>
+          </a:p>
+          <a:p>
+            <a:pPr marL="742950" lvl="1" indent="-285750">
+              <a:lnSpc>
+                <a:spcPct val="97000"/>
+              </a:lnSpc>
+              <a:spcAft>
+                <a:spcPts val="800"/>
+              </a:spcAft>
+              <a:tabLst>
+                <a:tab pos="914400" algn="l"/>
+              </a:tabLst>
+            </a:pPr>
+            <a:endParaRPr lang="pt-BR" sz="3600" dirty="0">
+              <a:solidFill>
+                <a:srgbClr val="926D0F"/>
+              </a:solidFill>
+              <a:latin typeface="+mj-lt"/>
+              <a:ea typeface="+mj-ea"/>
+              <a:cs typeface="+mj-cs"/>
+            </a:endParaRPr>
+          </a:p>
+          <a:p>
+            <a:pPr marL="285750" indent="-285750">
+              <a:lnSpc>
+                <a:spcPct val="97000"/>
+              </a:lnSpc>
+              <a:spcAft>
+                <a:spcPts val="800"/>
+              </a:spcAft>
+              <a:tabLst>
+                <a:tab pos="914400" algn="l"/>
+              </a:tabLst>
+            </a:pPr>
+            <a:r>
+              <a:rPr lang="pt-BR" sz="14400" dirty="0">
+                <a:solidFill>
+                  <a:srgbClr val="926D0F"/>
+                </a:solidFill>
+                <a:latin typeface="+mj-lt"/>
+                <a:ea typeface="+mj-ea"/>
+                <a:cs typeface="+mj-cs"/>
+              </a:rPr>
+              <a:t>Consulta com Banco de Dados</a:t>
+            </a:r>
+          </a:p>
+          <a:p>
+            <a:pPr marL="742950" lvl="1" indent="-285750">
+              <a:lnSpc>
+                <a:spcPct val="97000"/>
+              </a:lnSpc>
+              <a:spcAft>
+                <a:spcPts val="800"/>
+              </a:spcAft>
+              <a:tabLst>
+                <a:tab pos="914400" algn="l"/>
+              </a:tabLst>
+            </a:pPr>
+            <a:r>
+              <a:rPr lang="pt-BR" sz="11200" dirty="0">
+                <a:solidFill>
+                  <a:srgbClr val="926D0F"/>
+                </a:solidFill>
+                <a:latin typeface="+mj-lt"/>
+                <a:ea typeface="+mj-ea"/>
+                <a:cs typeface="+mj-cs"/>
+              </a:rPr>
+              <a:t>JPA</a:t>
+            </a:r>
+          </a:p>
+          <a:p>
+            <a:pPr marL="742950" lvl="1" indent="-285750">
+              <a:lnSpc>
+                <a:spcPct val="97000"/>
+              </a:lnSpc>
+              <a:spcAft>
+                <a:spcPts val="800"/>
+              </a:spcAft>
+              <a:tabLst>
+                <a:tab pos="914400" algn="l"/>
+              </a:tabLst>
+            </a:pPr>
+            <a:r>
+              <a:rPr lang="pt-BR" sz="11200" dirty="0">
+                <a:solidFill>
+                  <a:srgbClr val="926D0F"/>
+                </a:solidFill>
+                <a:latin typeface="+mj-lt"/>
+                <a:ea typeface="+mj-ea"/>
+                <a:cs typeface="+mj-cs"/>
+              </a:rPr>
+              <a:t>JPQL</a:t>
+            </a:r>
+          </a:p>
+          <a:p>
+            <a:pPr marL="742950" lvl="1" indent="-285750">
+              <a:lnSpc>
+                <a:spcPct val="97000"/>
+              </a:lnSpc>
+              <a:spcAft>
+                <a:spcPts val="800"/>
+              </a:spcAft>
+              <a:tabLst>
+                <a:tab pos="914400" algn="l"/>
+              </a:tabLst>
+            </a:pPr>
+            <a:endParaRPr lang="pt-BR" sz="3200" dirty="0">
+              <a:solidFill>
+                <a:srgbClr val="926D0F"/>
+              </a:solidFill>
+              <a:latin typeface="+mj-lt"/>
+              <a:ea typeface="+mj-ea"/>
+              <a:cs typeface="+mj-cs"/>
+            </a:endParaRPr>
+          </a:p>
+          <a:p>
+            <a:pPr marL="285750" indent="-285750">
+              <a:lnSpc>
+                <a:spcPct val="97000"/>
+              </a:lnSpc>
+              <a:spcAft>
+                <a:spcPts val="800"/>
+              </a:spcAft>
+              <a:tabLst>
+                <a:tab pos="914400" algn="l"/>
+              </a:tabLst>
+            </a:pPr>
+            <a:r>
+              <a:rPr lang="pt-BR" sz="14400" dirty="0" err="1">
+                <a:solidFill>
+                  <a:srgbClr val="926D0F"/>
+                </a:solidFill>
+                <a:latin typeface="+mj-lt"/>
+                <a:ea typeface="+mj-ea"/>
+                <a:cs typeface="+mj-cs"/>
+              </a:rPr>
+              <a:t>JasperReports</a:t>
+            </a:r>
+            <a:endParaRPr lang="pt-BR" sz="14400" dirty="0">
+              <a:solidFill>
+                <a:srgbClr val="926D0F"/>
+              </a:solidFill>
+              <a:latin typeface="+mj-lt"/>
+              <a:ea typeface="+mj-ea"/>
+              <a:cs typeface="+mj-cs"/>
+            </a:endParaRPr>
+          </a:p>
+          <a:p>
+            <a:pPr marL="742950" lvl="1" indent="-285750">
+              <a:lnSpc>
+                <a:spcPct val="97000"/>
+              </a:lnSpc>
+              <a:spcAft>
+                <a:spcPts val="800"/>
+              </a:spcAft>
+              <a:tabLst>
+                <a:tab pos="914400" algn="l"/>
+              </a:tabLst>
+            </a:pPr>
+            <a:r>
+              <a:rPr lang="pt-BR" sz="11200" dirty="0">
+                <a:solidFill>
+                  <a:srgbClr val="926D0F"/>
+                </a:solidFill>
+                <a:latin typeface="+mj-lt"/>
+                <a:ea typeface="+mj-ea"/>
+                <a:cs typeface="+mj-cs"/>
+              </a:rPr>
+              <a:t>Relatório de Usuário</a:t>
+            </a:r>
+          </a:p>
+          <a:p>
+            <a:pPr marL="742950" lvl="1" indent="-285750">
+              <a:lnSpc>
+                <a:spcPct val="97000"/>
+              </a:lnSpc>
+              <a:spcAft>
+                <a:spcPts val="800"/>
+              </a:spcAft>
+              <a:tabLst>
+                <a:tab pos="914400" algn="l"/>
+              </a:tabLst>
+            </a:pPr>
+            <a:r>
+              <a:rPr lang="pt-BR" sz="11200" dirty="0">
+                <a:solidFill>
+                  <a:srgbClr val="926D0F"/>
+                </a:solidFill>
+                <a:latin typeface="+mj-lt"/>
+                <a:ea typeface="+mj-ea"/>
+                <a:cs typeface="+mj-cs"/>
+              </a:rPr>
+              <a:t>Relatório de Serviços Finalizados.</a:t>
+            </a:r>
+          </a:p>
+          <a:p>
+            <a:pPr marL="0" indent="0">
+              <a:buNone/>
+            </a:pPr>
             <a:r>
               <a:rPr lang="pt-BR" dirty="0"/>
-              <a:t>Validações</a:t>
-            </a:r>
-          </a:p>
-          <a:p>
-            <a:pPr lvl="1"/>
-            <a:r>
-              <a:rPr lang="pt-BR" dirty="0" err="1"/>
-              <a:t>Api</a:t>
-            </a:r>
-            <a:r>
-              <a:rPr lang="pt-BR" dirty="0"/>
-              <a:t> de Erro;</a:t>
-            </a:r>
-          </a:p>
-          <a:p>
-            <a:pPr lvl="1"/>
-            <a:r>
-              <a:rPr lang="pt-BR" dirty="0"/>
-              <a:t>Anotações Personalizada;</a:t>
+              <a:t>	</a:t>
             </a:r>
           </a:p>
           <a:p>
@@ -3992,10 +4341,259 @@
           </a:p>
         </p:txBody>
       </p:sp>
+      <p:pic>
+        <p:nvPicPr>
+          <p:cNvPr id="5" name="Gráfico 4">
+            <a:extLst>
+              <a:ext uri="{FF2B5EF4-FFF2-40B4-BE49-F238E27FC236}">
+                <a16:creationId xmlns:a16="http://schemas.microsoft.com/office/drawing/2014/main" id="{D74477D2-AB31-CA19-9D88-F04CF57739DA}"/>
+              </a:ext>
+            </a:extLst>
+          </p:cNvPr>
+          <p:cNvPicPr>
+            <a:picLocks noChangeAspect="1"/>
+          </p:cNvPicPr>
+          <p:nvPr/>
+        </p:nvPicPr>
+        <p:blipFill>
+          <a:blip r:embed="rId2">
+            <a:extLst>
+              <a:ext uri="{28A0092B-C50C-407E-A947-70E740481C1C}">
+                <a14:useLocalDpi xmlns:a14="http://schemas.microsoft.com/office/drawing/2010/main" val="0"/>
+              </a:ext>
+              <a:ext uri="{96DAC541-7B7A-43D3-8B79-37D633B846F1}">
+                <asvg:svgBlip xmlns:asvg="http://schemas.microsoft.com/office/drawing/2016/SVG/main" r:embed="rId3"/>
+              </a:ext>
+            </a:extLst>
+          </a:blip>
+          <a:stretch>
+            <a:fillRect/>
+          </a:stretch>
+        </p:blipFill>
+        <p:spPr>
+          <a:xfrm>
+            <a:off x="10627495" y="5415262"/>
+            <a:ext cx="1452609" cy="1291817"/>
+          </a:xfrm>
+          <a:prstGeom prst="rect">
+            <a:avLst/>
+          </a:prstGeom>
+        </p:spPr>
+      </p:pic>
     </p:spTree>
     <p:extLst>
       <p:ext uri="{BB962C8B-B14F-4D97-AF65-F5344CB8AC3E}">
         <p14:creationId xmlns:p14="http://schemas.microsoft.com/office/powerpoint/2010/main" val="2221831938"/>
+      </p:ext>
+    </p:extLst>
+  </p:cSld>
+  <p:clrMapOvr>
+    <a:masterClrMapping/>
+  </p:clrMapOvr>
+</p:sld>
+</file>
+
+<file path=ppt/slides/slide7.xml><?xml version="1.0" encoding="utf-8"?>
+<p:sld xmlns:a="http://schemas.openxmlformats.org/drawingml/2006/main" xmlns:r="http://schemas.openxmlformats.org/officeDocument/2006/relationships" xmlns:p="http://schemas.openxmlformats.org/presentationml/2006/main">
+  <p:cSld>
+    <p:spTree>
+      <p:nvGrpSpPr>
+        <p:cNvPr id="1" name=""/>
+        <p:cNvGrpSpPr/>
+        <p:nvPr/>
+      </p:nvGrpSpPr>
+      <p:grpSpPr>
+        <a:xfrm>
+          <a:off x="0" y="0"/>
+          <a:ext cx="0" cy="0"/>
+          <a:chOff x="0" y="0"/>
+          <a:chExt cx="0" cy="0"/>
+        </a:xfrm>
+      </p:grpSpPr>
+      <p:pic>
+        <p:nvPicPr>
+          <p:cNvPr id="5" name="Espaço Reservado para Conteúdo 4">
+            <a:extLst>
+              <a:ext uri="{FF2B5EF4-FFF2-40B4-BE49-F238E27FC236}">
+                <a16:creationId xmlns:a16="http://schemas.microsoft.com/office/drawing/2014/main" id="{B2198067-A5EE-858A-48E6-3FE3B26CBCC6}"/>
+              </a:ext>
+            </a:extLst>
+          </p:cNvPr>
+          <p:cNvPicPr>
+            <a:picLocks noGrp="1" noChangeAspect="1"/>
+          </p:cNvPicPr>
+          <p:nvPr>
+            <p:ph idx="1"/>
+          </p:nvPr>
+        </p:nvPicPr>
+        <p:blipFill>
+          <a:blip r:embed="rId2">
+            <a:extLst>
+              <a:ext uri="{28A0092B-C50C-407E-A947-70E740481C1C}">
+                <a14:useLocalDpi xmlns:a14="http://schemas.microsoft.com/office/drawing/2010/main" val="0"/>
+              </a:ext>
+            </a:extLst>
+          </a:blip>
+          <a:stretch>
+            <a:fillRect/>
+          </a:stretch>
+        </p:blipFill>
+        <p:spPr>
+          <a:xfrm>
+            <a:off x="2305214" y="0"/>
+            <a:ext cx="7598714" cy="6858000"/>
+          </a:xfrm>
+        </p:spPr>
+      </p:pic>
+      <p:pic>
+        <p:nvPicPr>
+          <p:cNvPr id="7" name="Gráfico 6">
+            <a:extLst>
+              <a:ext uri="{FF2B5EF4-FFF2-40B4-BE49-F238E27FC236}">
+                <a16:creationId xmlns:a16="http://schemas.microsoft.com/office/drawing/2014/main" id="{A563C53E-85D0-A064-3FBD-55AFEF841654}"/>
+              </a:ext>
+            </a:extLst>
+          </p:cNvPr>
+          <p:cNvPicPr>
+            <a:picLocks noChangeAspect="1"/>
+          </p:cNvPicPr>
+          <p:nvPr/>
+        </p:nvPicPr>
+        <p:blipFill>
+          <a:blip r:embed="rId3">
+            <a:extLst>
+              <a:ext uri="{28A0092B-C50C-407E-A947-70E740481C1C}">
+                <a14:useLocalDpi xmlns:a14="http://schemas.microsoft.com/office/drawing/2010/main" val="0"/>
+              </a:ext>
+              <a:ext uri="{96DAC541-7B7A-43D3-8B79-37D633B846F1}">
+                <asvg:svgBlip xmlns:asvg="http://schemas.microsoft.com/office/drawing/2016/SVG/main" r:embed="rId4"/>
+              </a:ext>
+            </a:extLst>
+          </a:blip>
+          <a:stretch>
+            <a:fillRect/>
+          </a:stretch>
+        </p:blipFill>
+        <p:spPr>
+          <a:xfrm>
+            <a:off x="10627495" y="5415262"/>
+            <a:ext cx="1452609" cy="1291817"/>
+          </a:xfrm>
+          <a:prstGeom prst="rect">
+            <a:avLst/>
+          </a:prstGeom>
+        </p:spPr>
+      </p:pic>
+    </p:spTree>
+    <p:extLst>
+      <p:ext uri="{BB962C8B-B14F-4D97-AF65-F5344CB8AC3E}">
+        <p14:creationId xmlns:p14="http://schemas.microsoft.com/office/powerpoint/2010/main" val="908457585"/>
+      </p:ext>
+    </p:extLst>
+  </p:cSld>
+  <p:clrMapOvr>
+    <a:masterClrMapping/>
+  </p:clrMapOvr>
+</p:sld>
+</file>
+
+<file path=ppt/slides/slide8.xml><?xml version="1.0" encoding="utf-8"?>
+<p:sld xmlns:a="http://schemas.openxmlformats.org/drawingml/2006/main" xmlns:r="http://schemas.openxmlformats.org/officeDocument/2006/relationships" xmlns:p="http://schemas.openxmlformats.org/presentationml/2006/main">
+  <p:cSld>
+    <p:spTree>
+      <p:nvGrpSpPr>
+        <p:cNvPr id="1" name=""/>
+        <p:cNvGrpSpPr/>
+        <p:nvPr/>
+      </p:nvGrpSpPr>
+      <p:grpSpPr>
+        <a:xfrm>
+          <a:off x="0" y="0"/>
+          <a:ext cx="0" cy="0"/>
+          <a:chOff x="0" y="0"/>
+          <a:chExt cx="0" cy="0"/>
+        </a:xfrm>
+      </p:grpSpPr>
+      <p:pic>
+        <p:nvPicPr>
+          <p:cNvPr id="15" name="Espaço Reservado para Conteúdo 14">
+            <a:extLst>
+              <a:ext uri="{FF2B5EF4-FFF2-40B4-BE49-F238E27FC236}">
+                <a16:creationId xmlns:a16="http://schemas.microsoft.com/office/drawing/2014/main" id="{43C300E4-D81B-E2C9-1561-C24B90011889}"/>
+              </a:ext>
+            </a:extLst>
+          </p:cNvPr>
+          <p:cNvPicPr>
+            <a:picLocks noGrp="1" noChangeAspect="1"/>
+          </p:cNvPicPr>
+          <p:nvPr>
+            <p:ph idx="1"/>
+          </p:nvPr>
+        </p:nvPicPr>
+        <p:blipFill rotWithShape="1">
+          <a:blip r:embed="rId2">
+            <a:extLst>
+              <a:ext uri="{28A0092B-C50C-407E-A947-70E740481C1C}">
+                <a14:useLocalDpi xmlns:a14="http://schemas.microsoft.com/office/drawing/2010/main" val="0"/>
+              </a:ext>
+              <a:ext uri="{96DAC541-7B7A-43D3-8B79-37D633B846F1}">
+                <asvg:svgBlip xmlns:asvg="http://schemas.microsoft.com/office/drawing/2016/SVG/main" r:embed="rId3"/>
+              </a:ext>
+            </a:extLst>
+          </a:blip>
+          <a:srcRect l="1" r="37952" b="42393"/>
+          <a:stretch/>
+        </p:blipFill>
+        <p:spPr>
+          <a:xfrm>
+            <a:off x="853736" y="21051"/>
+            <a:ext cx="10484528" cy="6815897"/>
+          </a:xfrm>
+        </p:spPr>
+      </p:pic>
+      <p:pic>
+        <p:nvPicPr>
+          <p:cNvPr id="16" name="Gráfico 15">
+            <a:extLst>
+              <a:ext uri="{FF2B5EF4-FFF2-40B4-BE49-F238E27FC236}">
+                <a16:creationId xmlns:a16="http://schemas.microsoft.com/office/drawing/2014/main" id="{8D2ED9C7-3367-0C45-4E30-CB33D883784F}"/>
+              </a:ext>
+            </a:extLst>
+          </p:cNvPr>
+          <p:cNvPicPr>
+            <a:picLocks noChangeAspect="1"/>
+          </p:cNvPicPr>
+          <p:nvPr/>
+        </p:nvPicPr>
+        <p:blipFill>
+          <a:blip r:embed="rId4">
+            <a:extLst>
+              <a:ext uri="{28A0092B-C50C-407E-A947-70E740481C1C}">
+                <a14:useLocalDpi xmlns:a14="http://schemas.microsoft.com/office/drawing/2010/main" val="0"/>
+              </a:ext>
+              <a:ext uri="{96DAC541-7B7A-43D3-8B79-37D633B846F1}">
+                <asvg:svgBlip xmlns:asvg="http://schemas.microsoft.com/office/drawing/2016/SVG/main" r:embed="rId5"/>
+              </a:ext>
+            </a:extLst>
+          </a:blip>
+          <a:stretch>
+            <a:fillRect/>
+          </a:stretch>
+        </p:blipFill>
+        <p:spPr>
+          <a:xfrm>
+            <a:off x="10627495" y="5415262"/>
+            <a:ext cx="1452609" cy="1291817"/>
+          </a:xfrm>
+          <a:prstGeom prst="rect">
+            <a:avLst/>
+          </a:prstGeom>
+        </p:spPr>
+      </p:pic>
+    </p:spTree>
+    <p:extLst>
+      <p:ext uri="{BB962C8B-B14F-4D97-AF65-F5344CB8AC3E}">
+        <p14:creationId xmlns:p14="http://schemas.microsoft.com/office/powerpoint/2010/main" val="242467884"/>
       </p:ext>
     </p:extLst>
   </p:cSld>

--- a/ApresentaçãoWork2home.pptx
+++ b/ApresentaçãoWork2home.pptx
@@ -3375,6 +3375,112 @@
           </a:prstGeom>
         </p:spPr>
       </p:pic>
+      <p:sp>
+        <p:nvSpPr>
+          <p:cNvPr id="3" name="CaixaDeTexto 2">
+            <a:extLst>
+              <a:ext uri="{FF2B5EF4-FFF2-40B4-BE49-F238E27FC236}">
+                <a16:creationId xmlns:a16="http://schemas.microsoft.com/office/drawing/2014/main" id="{1DF53DB7-BF1E-3B5E-F2EC-3BE5670B9C30}"/>
+              </a:ext>
+            </a:extLst>
+          </p:cNvPr>
+          <p:cNvSpPr txBox="1"/>
+          <p:nvPr/>
+        </p:nvSpPr>
+        <p:spPr>
+          <a:xfrm>
+            <a:off x="9049305" y="5708342"/>
+            <a:ext cx="3142695" cy="1015663"/>
+          </a:xfrm>
+          <a:prstGeom prst="rect">
+            <a:avLst/>
+          </a:prstGeom>
+          <a:noFill/>
+        </p:spPr>
+        <p:txBody>
+          <a:bodyPr wrap="square" rtlCol="0">
+            <a:spAutoFit/>
+          </a:bodyPr>
+          <a:lstStyle/>
+          <a:p>
+            <a:r>
+              <a:rPr lang="pt-BR" sz="2000" dirty="0">
+                <a:solidFill>
+                  <a:srgbClr val="926D0F"/>
+                </a:solidFill>
+                <a:latin typeface="+mj-lt"/>
+                <a:ea typeface="+mj-ea"/>
+                <a:cs typeface="+mj-cs"/>
+              </a:rPr>
+              <a:t>Jefferson </a:t>
+            </a:r>
+            <a:r>
+              <a:rPr lang="pt-BR" sz="2000" dirty="0" err="1">
+                <a:solidFill>
+                  <a:srgbClr val="926D0F"/>
+                </a:solidFill>
+                <a:latin typeface="+mj-lt"/>
+                <a:ea typeface="+mj-ea"/>
+                <a:cs typeface="+mj-cs"/>
+              </a:rPr>
+              <a:t>Bisatto</a:t>
+            </a:r>
+            <a:endParaRPr lang="pt-BR" sz="2000" dirty="0">
+              <a:solidFill>
+                <a:srgbClr val="926D0F"/>
+              </a:solidFill>
+              <a:latin typeface="+mj-lt"/>
+              <a:ea typeface="+mj-ea"/>
+              <a:cs typeface="+mj-cs"/>
+            </a:endParaRPr>
+          </a:p>
+          <a:p>
+            <a:r>
+              <a:rPr lang="pt-BR" sz="2000" dirty="0">
+                <a:solidFill>
+                  <a:srgbClr val="926D0F"/>
+                </a:solidFill>
+                <a:latin typeface="+mj-lt"/>
+                <a:ea typeface="+mj-ea"/>
+                <a:cs typeface="+mj-cs"/>
+              </a:rPr>
+              <a:t>Bruno Ferrari</a:t>
+            </a:r>
+          </a:p>
+          <a:p>
+            <a:r>
+              <a:rPr lang="pt-BR" sz="2000" dirty="0">
+                <a:solidFill>
+                  <a:srgbClr val="926D0F"/>
+                </a:solidFill>
+                <a:latin typeface="+mj-lt"/>
+                <a:ea typeface="+mj-ea"/>
+                <a:cs typeface="+mj-cs"/>
+              </a:rPr>
+              <a:t>Vinícius G. </a:t>
+            </a:r>
+            <a:r>
+              <a:rPr lang="pt-BR" sz="2000" dirty="0" err="1">
+                <a:solidFill>
+                  <a:srgbClr val="926D0F"/>
+                </a:solidFill>
+                <a:latin typeface="+mj-lt"/>
+                <a:ea typeface="+mj-ea"/>
+                <a:cs typeface="+mj-cs"/>
+              </a:rPr>
+              <a:t>Leitempergher</a:t>
+            </a:r>
+            <a:endParaRPr lang="pt-BR" sz="2000" dirty="0">
+              <a:solidFill>
+                <a:srgbClr val="926D0F"/>
+              </a:solidFill>
+              <a:latin typeface="+mj-lt"/>
+              <a:ea typeface="+mj-ea"/>
+              <a:cs typeface="+mj-cs"/>
+            </a:endParaRPr>
+          </a:p>
+        </p:txBody>
+      </p:sp>
     </p:spTree>
     <p:extLst>
       <p:ext uri="{BB962C8B-B14F-4D97-AF65-F5344CB8AC3E}">
